--- a/lectures/ProjGuideline_F19.pptx
+++ b/lectures/ProjGuideline_F19.pptx
@@ -5,7 +5,7 @@
     <p:sldMasterId id="2147483648" r:id="rId1"/>
   </p:sldMasterIdLst>
   <p:notesMasterIdLst>
-    <p:notesMasterId r:id="rId8"/>
+    <p:notesMasterId r:id="rId9"/>
   </p:notesMasterIdLst>
   <p:sldIdLst>
     <p:sldId id="258" r:id="rId2"/>
@@ -13,7 +13,8 @@
     <p:sldId id="271" r:id="rId4"/>
     <p:sldId id="282" r:id="rId5"/>
     <p:sldId id="283" r:id="rId6"/>
-    <p:sldId id="284" r:id="rId7"/>
+    <p:sldId id="285" r:id="rId7"/>
+    <p:sldId id="284" r:id="rId8"/>
   </p:sldIdLst>
   <p:sldSz cx="12192000" cy="6858000"/>
   <p:notesSz cx="7315200" cy="9601200"/>
@@ -4156,7 +4157,11 @@
           </a:p>
           <a:p>
             <a:r>
-              <a:rPr lang="en-US" dirty="0"/>
+              <a:rPr lang="en-US" b="1" dirty="0">
+                <a:solidFill>
+                  <a:srgbClr val="FF0000"/>
+                </a:solidFill>
+              </a:rPr>
               <a:t> Submit project plan (11/12)</a:t>
             </a:r>
           </a:p>
@@ -4166,11 +4171,19 @@
               <a:t> Submit project report (in slide format, saved in pptx or pdf) and </a:t>
             </a:r>
             <a:r>
-              <a:rPr lang="en-US" b="1" dirty="0"/>
+              <a:rPr lang="en-US" b="1" dirty="0">
+                <a:solidFill>
+                  <a:srgbClr val="FF0000"/>
+                </a:solidFill>
+              </a:rPr>
               <a:t>code</a:t>
             </a:r>
             <a:r>
-              <a:rPr lang="en-US" dirty="0"/>
+              <a:rPr lang="en-US" dirty="0">
+                <a:solidFill>
+                  <a:srgbClr val="FF0000"/>
+                </a:solidFill>
+              </a:rPr>
               <a:t> (12/3)</a:t>
             </a:r>
           </a:p>
@@ -4190,8 +4203,22 @@
             </a:r>
           </a:p>
           <a:p>
-            <a:pPr lvl="1"/>
-            <a:endParaRPr lang="en-US" dirty="0"/>
+            <a:r>
+              <a:rPr lang="en-US" dirty="0"/>
+              <a:t>Presentation to class starting on </a:t>
+            </a:r>
+            <a:r>
+              <a:rPr lang="en-US" dirty="0">
+                <a:solidFill>
+                  <a:srgbClr val="FF0000"/>
+                </a:solidFill>
+              </a:rPr>
+              <a:t>12/10 (m</a:t>
+            </a:r>
+            <a:r>
+              <a:rPr lang="en-US" dirty="0"/>
+              <a:t>aybe video)</a:t>
+            </a:r>
           </a:p>
           <a:p>
             <a:r>
@@ -4786,6 +4813,303 @@
           <p:cNvPr id="2" name="Title 1">
             <a:extLst>
               <a:ext uri="{FF2B5EF4-FFF2-40B4-BE49-F238E27FC236}">
+                <a16:creationId xmlns:a16="http://schemas.microsoft.com/office/drawing/2014/main" id="{E63469ED-A3C9-4CE5-A3AB-E73071501506}"/>
+              </a:ext>
+            </a:extLst>
+          </p:cNvPr>
+          <p:cNvSpPr>
+            <a:spLocks noGrp="1"/>
+          </p:cNvSpPr>
+          <p:nvPr>
+            <p:ph type="title"/>
+          </p:nvPr>
+        </p:nvSpPr>
+        <p:spPr/>
+        <p:txBody>
+          <a:bodyPr/>
+          <a:lstStyle/>
+          <a:p>
+            <a:r>
+              <a:rPr lang="en-US" dirty="0"/>
+              <a:t>Grading:</a:t>
+            </a:r>
+          </a:p>
+        </p:txBody>
+      </p:sp>
+      <p:sp>
+        <p:nvSpPr>
+          <p:cNvPr id="4" name="Slide Number Placeholder 3">
+            <a:extLst>
+              <a:ext uri="{FF2B5EF4-FFF2-40B4-BE49-F238E27FC236}">
+                <a16:creationId xmlns:a16="http://schemas.microsoft.com/office/drawing/2014/main" id="{B2AD52AC-1D87-4E12-8CA1-727622A1E199}"/>
+              </a:ext>
+            </a:extLst>
+          </p:cNvPr>
+          <p:cNvSpPr>
+            <a:spLocks noGrp="1"/>
+          </p:cNvSpPr>
+          <p:nvPr>
+            <p:ph type="sldNum" sz="quarter" idx="12"/>
+          </p:nvPr>
+        </p:nvSpPr>
+        <p:spPr/>
+        <p:txBody>
+          <a:bodyPr/>
+          <a:lstStyle/>
+          <a:p>
+            <a:fld id="{629637A9-119A-49DA-BD12-AAC58B377D80}" type="slidenum">
+              <a:rPr lang="en-US" smtClean="0"/>
+              <a:t>6</a:t>
+            </a:fld>
+            <a:endParaRPr lang="en-US" dirty="0"/>
+          </a:p>
+        </p:txBody>
+      </p:sp>
+      <p:graphicFrame>
+        <p:nvGraphicFramePr>
+          <p:cNvPr id="8" name="Content Placeholder 7">
+            <a:extLst>
+              <a:ext uri="{FF2B5EF4-FFF2-40B4-BE49-F238E27FC236}">
+                <a16:creationId xmlns:a16="http://schemas.microsoft.com/office/drawing/2014/main" id="{440CE86C-2B57-4C45-86D7-62E27EC4DCD9}"/>
+              </a:ext>
+            </a:extLst>
+          </p:cNvPr>
+          <p:cNvGraphicFramePr>
+            <a:graphicFrameLocks noGrp="1"/>
+          </p:cNvGraphicFramePr>
+          <p:nvPr>
+            <p:ph idx="1"/>
+            <p:extLst>
+              <p:ext uri="{D42A27DB-BD31-4B8C-83A1-F6EECF244321}">
+                <p14:modId xmlns:p14="http://schemas.microsoft.com/office/powerpoint/2010/main" val="1655404638"/>
+              </p:ext>
+            </p:extLst>
+          </p:nvPr>
+        </p:nvGraphicFramePr>
+        <p:xfrm>
+          <a:off x="1096963" y="1539875"/>
+          <a:ext cx="5807690" cy="1854200"/>
+        </p:xfrm>
+        <a:graphic>
+          <a:graphicData uri="http://schemas.openxmlformats.org/drawingml/2006/table">
+            <a:tbl>
+              <a:tblPr firstRow="1" bandRow="1">
+                <a:tableStyleId>{5C22544A-7EE6-4342-B048-85BDC9FD1C3A}</a:tableStyleId>
+              </a:tblPr>
+              <a:tblGrid>
+                <a:gridCol w="2903845">
+                  <a:extLst>
+                    <a:ext uri="{9D8B030D-6E8A-4147-A177-3AD203B41FA5}">
+                      <a16:colId xmlns:a16="http://schemas.microsoft.com/office/drawing/2014/main" val="468116172"/>
+                    </a:ext>
+                  </a:extLst>
+                </a:gridCol>
+                <a:gridCol w="2903845">
+                  <a:extLst>
+                    <a:ext uri="{9D8B030D-6E8A-4147-A177-3AD203B41FA5}">
+                      <a16:colId xmlns:a16="http://schemas.microsoft.com/office/drawing/2014/main" val="2522902191"/>
+                    </a:ext>
+                  </a:extLst>
+                </a:gridCol>
+              </a:tblGrid>
+              <a:tr h="370840">
+                <a:tc>
+                  <a:txBody>
+                    <a:bodyPr/>
+                    <a:lstStyle/>
+                    <a:p>
+                      <a:endParaRPr lang="en-US" dirty="0"/>
+                    </a:p>
+                  </a:txBody>
+                  <a:tcPr/>
+                </a:tc>
+                <a:tc>
+                  <a:txBody>
+                    <a:bodyPr/>
+                    <a:lstStyle/>
+                    <a:p>
+                      <a:endParaRPr lang="en-US"/>
+                    </a:p>
+                  </a:txBody>
+                  <a:tcPr/>
+                </a:tc>
+                <a:extLst>
+                  <a:ext uri="{0D108BD9-81ED-4DB2-BD59-A6C34878D82A}">
+                    <a16:rowId xmlns:a16="http://schemas.microsoft.com/office/drawing/2014/main" val="3220000754"/>
+                  </a:ext>
+                </a:extLst>
+              </a:tr>
+              <a:tr h="370840">
+                <a:tc>
+                  <a:txBody>
+                    <a:bodyPr/>
+                    <a:lstStyle/>
+                    <a:p>
+                      <a:r>
+                        <a:rPr lang="en-US" dirty="0"/>
+                        <a:t>Project Plan</a:t>
+                      </a:r>
+                    </a:p>
+                  </a:txBody>
+                  <a:tcPr/>
+                </a:tc>
+                <a:tc>
+                  <a:txBody>
+                    <a:bodyPr/>
+                    <a:lstStyle/>
+                    <a:p>
+                      <a:r>
+                        <a:rPr lang="en-US" dirty="0"/>
+                        <a:t>15</a:t>
+                      </a:r>
+                    </a:p>
+                  </a:txBody>
+                  <a:tcPr/>
+                </a:tc>
+                <a:extLst>
+                  <a:ext uri="{0D108BD9-81ED-4DB2-BD59-A6C34878D82A}">
+                    <a16:rowId xmlns:a16="http://schemas.microsoft.com/office/drawing/2014/main" val="577458400"/>
+                  </a:ext>
+                </a:extLst>
+              </a:tr>
+              <a:tr h="370840">
+                <a:tc>
+                  <a:txBody>
+                    <a:bodyPr/>
+                    <a:lstStyle/>
+                    <a:p>
+                      <a:r>
+                        <a:rPr lang="en-US" dirty="0"/>
+                        <a:t>Report </a:t>
+                      </a:r>
+                    </a:p>
+                  </a:txBody>
+                  <a:tcPr/>
+                </a:tc>
+                <a:tc>
+                  <a:txBody>
+                    <a:bodyPr/>
+                    <a:lstStyle/>
+                    <a:p>
+                      <a:r>
+                        <a:rPr lang="en-US" dirty="0"/>
+                        <a:t>40</a:t>
+                      </a:r>
+                    </a:p>
+                  </a:txBody>
+                  <a:tcPr/>
+                </a:tc>
+                <a:extLst>
+                  <a:ext uri="{0D108BD9-81ED-4DB2-BD59-A6C34878D82A}">
+                    <a16:rowId xmlns:a16="http://schemas.microsoft.com/office/drawing/2014/main" val="468346735"/>
+                  </a:ext>
+                </a:extLst>
+              </a:tr>
+              <a:tr h="370840">
+                <a:tc>
+                  <a:txBody>
+                    <a:bodyPr/>
+                    <a:lstStyle/>
+                    <a:p>
+                      <a:r>
+                        <a:rPr lang="en-US" dirty="0"/>
+                        <a:t>Code </a:t>
+                      </a:r>
+                    </a:p>
+                  </a:txBody>
+                  <a:tcPr/>
+                </a:tc>
+                <a:tc>
+                  <a:txBody>
+                    <a:bodyPr/>
+                    <a:lstStyle/>
+                    <a:p>
+                      <a:r>
+                        <a:rPr lang="en-US" dirty="0"/>
+                        <a:t>30</a:t>
+                      </a:r>
+                    </a:p>
+                  </a:txBody>
+                  <a:tcPr/>
+                </a:tc>
+                <a:extLst>
+                  <a:ext uri="{0D108BD9-81ED-4DB2-BD59-A6C34878D82A}">
+                    <a16:rowId xmlns:a16="http://schemas.microsoft.com/office/drawing/2014/main" val="1349527358"/>
+                  </a:ext>
+                </a:extLst>
+              </a:tr>
+              <a:tr h="370840">
+                <a:tc>
+                  <a:txBody>
+                    <a:bodyPr/>
+                    <a:lstStyle/>
+                    <a:p>
+                      <a:r>
+                        <a:rPr lang="en-US" dirty="0"/>
+                        <a:t>Presentation</a:t>
+                      </a:r>
+                    </a:p>
+                  </a:txBody>
+                  <a:tcPr/>
+                </a:tc>
+                <a:tc>
+                  <a:txBody>
+                    <a:bodyPr/>
+                    <a:lstStyle/>
+                    <a:p>
+                      <a:r>
+                        <a:rPr lang="en-US" dirty="0"/>
+                        <a:t>15</a:t>
+                      </a:r>
+                    </a:p>
+                  </a:txBody>
+                  <a:tcPr/>
+                </a:tc>
+                <a:extLst>
+                  <a:ext uri="{0D108BD9-81ED-4DB2-BD59-A6C34878D82A}">
+                    <a16:rowId xmlns:a16="http://schemas.microsoft.com/office/drawing/2014/main" val="926563398"/>
+                  </a:ext>
+                </a:extLst>
+              </a:tr>
+            </a:tbl>
+          </a:graphicData>
+        </a:graphic>
+      </p:graphicFrame>
+    </p:spTree>
+    <p:extLst>
+      <p:ext uri="{BB962C8B-B14F-4D97-AF65-F5344CB8AC3E}">
+        <p14:creationId xmlns:p14="http://schemas.microsoft.com/office/powerpoint/2010/main" val="2194752143"/>
+      </p:ext>
+    </p:extLst>
+  </p:cSld>
+  <p:clrMapOvr>
+    <a:masterClrMapping/>
+  </p:clrMapOvr>
+</p:sld>
+</file>
+
+<file path=ppt/slides/slide7.xml><?xml version="1.0" encoding="utf-8"?>
+<p:sld xmlns:a="http://schemas.openxmlformats.org/drawingml/2006/main" xmlns:r="http://schemas.openxmlformats.org/officeDocument/2006/relationships" xmlns:p="http://schemas.openxmlformats.org/presentationml/2006/main">
+  <p:cSld>
+    <p:spTree>
+      <p:nvGrpSpPr>
+        <p:cNvPr id="1" name=""/>
+        <p:cNvGrpSpPr/>
+        <p:nvPr/>
+      </p:nvGrpSpPr>
+      <p:grpSpPr>
+        <a:xfrm>
+          <a:off x="0" y="0"/>
+          <a:ext cx="0" cy="0"/>
+          <a:chOff x="0" y="0"/>
+          <a:chExt cx="0" cy="0"/>
+        </a:xfrm>
+      </p:grpSpPr>
+      <p:sp>
+        <p:nvSpPr>
+          <p:cNvPr id="2" name="Title 1">
+            <a:extLst>
+              <a:ext uri="{FF2B5EF4-FFF2-40B4-BE49-F238E27FC236}">
                 <a16:creationId xmlns:a16="http://schemas.microsoft.com/office/drawing/2014/main" id="{FB2F605E-591F-0C43-9087-23B74B0E1E4A}"/>
               </a:ext>
             </a:extLst>
@@ -4918,7 +5242,7 @@
           <a:p>
             <a:fld id="{629637A9-119A-49DA-BD12-AAC58B377D80}" type="slidenum">
               <a:rPr lang="en-US" smtClean="0"/>
-              <a:t>6</a:t>
+              <a:t>7</a:t>
             </a:fld>
             <a:endParaRPr lang="en-US" dirty="0"/>
           </a:p>

--- a/lectures/ProjGuideline_F19.pptx
+++ b/lectures/ProjGuideline_F19.pptx
@@ -214,7 +214,7 @@
           <a:p>
             <a:fld id="{B7D6DDD3-D7E9-488B-B626-1E8285E424D8}" type="datetimeFigureOut">
               <a:rPr lang="en-US" smtClean="0"/>
-              <a:t>10/21/2019</a:t>
+              <a:t>10/23/2019</a:t>
             </a:fld>
             <a:endParaRPr lang="en-US"/>
           </a:p>
@@ -4928,7 +4928,7 @@
                     <a:bodyPr/>
                     <a:lstStyle/>
                     <a:p>
-                      <a:endParaRPr lang="en-US"/>
+                      <a:endParaRPr lang="en-US" dirty="0"/>
                     </a:p>
                   </a:txBody>
                   <a:tcPr/>
